--- a/Presentation_manette_2019.pptx
+++ b/Presentation_manette_2019.pptx
@@ -112,6 +112,11 @@
       </a:defRPr>
     </a:lvl9pPr>
   </p:defaultTextStyle>
+  <p:extLst>
+    <p:ext uri="{EFAFB233-063F-42B5-8137-9DF3F51BA10A}">
+      <p15:sldGuideLst xmlns:p15="http://schemas.microsoft.com/office/powerpoint/2012/main"/>
+    </p:ext>
+  </p:extLst>
 </p:presentation>
 </file>
 
@@ -6628,8 +6633,8 @@
         </p:blipFill>
         <p:spPr bwMode="auto">
           <a:xfrm>
-            <a:off x="6381441" y="2211694"/>
-            <a:ext cx="2586716" cy="1938349"/>
+            <a:off x="6003372" y="2388359"/>
+            <a:ext cx="2252605" cy="1687984"/>
           </a:xfrm>
           <a:prstGeom prst="rect">
             <a:avLst/>
@@ -6669,8 +6674,8 @@
         </p:blipFill>
         <p:spPr bwMode="auto">
           <a:xfrm>
-            <a:off x="2513024" y="1974068"/>
-            <a:ext cx="1379845" cy="2105636"/>
+            <a:off x="3847777" y="2396099"/>
+            <a:ext cx="941908" cy="1437347"/>
           </a:xfrm>
           <a:prstGeom prst="rect">
             <a:avLst/>
@@ -6687,6 +6692,168 @@
           </a:extLst>
         </p:spPr>
       </p:pic>
+      <p:sp>
+        <p:nvSpPr>
+          <p:cNvPr id="7" name="AutoShape 6" descr="Adel_kahrimanovic"/>
+          <p:cNvSpPr>
+            <a:spLocks noChangeAspect="1" noChangeArrowheads="1"/>
+          </p:cNvSpPr>
+          <p:nvPr/>
+        </p:nvSpPr>
+        <p:spPr bwMode="auto">
+          <a:xfrm>
+            <a:off x="155575" y="-144463"/>
+            <a:ext cx="304800" cy="304801"/>
+          </a:xfrm>
+          <a:prstGeom prst="rect">
+            <a:avLst/>
+          </a:prstGeom>
+          <a:noFill/>
+          <a:extLst>
+            <a:ext uri="{909E8E84-426E-40DD-AFC4-6F175D3DCCD1}">
+              <a14:hiddenFill xmlns:a14="http://schemas.microsoft.com/office/drawing/2010/main">
+                <a:solidFill>
+                  <a:srgbClr val="FFFFFF"/>
+                </a:solidFill>
+              </a14:hiddenFill>
+            </a:ext>
+          </a:extLst>
+        </p:spPr>
+        <p:txBody>
+          <a:bodyPr vert="horz" wrap="square" lIns="91440" tIns="45720" rIns="91440" bIns="45720" numCol="1" anchor="t" anchorCtr="0" compatLnSpc="1">
+            <a:prstTxWarp prst="textNoShape">
+              <a:avLst/>
+            </a:prstTxWarp>
+          </a:bodyPr>
+          <a:lstStyle/>
+          <a:p>
+            <a:endParaRPr lang="fr-CH"/>
+          </a:p>
+        </p:txBody>
+      </p:sp>
+      <p:pic>
+        <p:nvPicPr>
+          <p:cNvPr id="8" name="Image 7"/>
+          <p:cNvPicPr>
+            <a:picLocks noChangeAspect="1"/>
+          </p:cNvPicPr>
+          <p:nvPr/>
+        </p:nvPicPr>
+        <p:blipFill>
+          <a:blip r:embed="rId4" cstate="print">
+            <a:extLst>
+              <a:ext uri="{28A0092B-C50C-407E-A947-70E740481C1C}">
+                <a14:useLocalDpi xmlns:a14="http://schemas.microsoft.com/office/drawing/2010/main" val="0"/>
+              </a:ext>
+            </a:extLst>
+          </a:blip>
+          <a:stretch>
+            <a:fillRect/>
+          </a:stretch>
+        </p:blipFill>
+        <p:spPr>
+          <a:xfrm>
+            <a:off x="9203869" y="3811852"/>
+            <a:ext cx="1533800" cy="1979096"/>
+          </a:xfrm>
+          <a:prstGeom prst="rect">
+            <a:avLst/>
+          </a:prstGeom>
+        </p:spPr>
+      </p:pic>
+      <p:sp>
+        <p:nvSpPr>
+          <p:cNvPr id="9" name="ZoneTexte 8"/>
+          <p:cNvSpPr txBox="1"/>
+          <p:nvPr/>
+        </p:nvSpPr>
+        <p:spPr>
+          <a:xfrm>
+            <a:off x="8813240" y="5790947"/>
+            <a:ext cx="2315057" cy="369332"/>
+          </a:xfrm>
+          <a:prstGeom prst="rect">
+            <a:avLst/>
+          </a:prstGeom>
+          <a:noFill/>
+        </p:spPr>
+        <p:txBody>
+          <a:bodyPr wrap="none" rtlCol="0">
+            <a:spAutoFit/>
+          </a:bodyPr>
+          <a:lstStyle/>
+          <a:p>
+            <a:r>
+              <a:rPr lang="fr-CH" dirty="0" smtClean="0"/>
+              <a:t>Adel </a:t>
+            </a:r>
+            <a:r>
+              <a:rPr lang="fr-CH" dirty="0" err="1" smtClean="0"/>
+              <a:t>Kahrimanovic</a:t>
+            </a:r>
+            <a:endParaRPr lang="fr-CH" dirty="0"/>
+          </a:p>
+        </p:txBody>
+      </p:sp>
+      <p:pic>
+        <p:nvPicPr>
+          <p:cNvPr id="10" name="Image 9"/>
+          <p:cNvPicPr>
+            <a:picLocks noChangeAspect="1"/>
+          </p:cNvPicPr>
+          <p:nvPr/>
+        </p:nvPicPr>
+        <p:blipFill>
+          <a:blip r:embed="rId5" cstate="print">
+            <a:extLst>
+              <a:ext uri="{28A0092B-C50C-407E-A947-70E740481C1C}">
+                <a14:useLocalDpi xmlns:a14="http://schemas.microsoft.com/office/drawing/2010/main" val="0"/>
+              </a:ext>
+            </a:extLst>
+          </a:blip>
+          <a:stretch>
+            <a:fillRect/>
+          </a:stretch>
+        </p:blipFill>
+        <p:spPr>
+          <a:xfrm>
+            <a:off x="1191523" y="3800689"/>
+            <a:ext cx="1366274" cy="1990258"/>
+          </a:xfrm>
+          <a:prstGeom prst="rect">
+            <a:avLst/>
+          </a:prstGeom>
+        </p:spPr>
+      </p:pic>
+      <p:sp>
+        <p:nvSpPr>
+          <p:cNvPr id="11" name="ZoneTexte 10"/>
+          <p:cNvSpPr txBox="1"/>
+          <p:nvPr/>
+        </p:nvSpPr>
+        <p:spPr>
+          <a:xfrm>
+            <a:off x="1024106" y="5796583"/>
+            <a:ext cx="1701107" cy="369332"/>
+          </a:xfrm>
+          <a:prstGeom prst="rect">
+            <a:avLst/>
+          </a:prstGeom>
+          <a:noFill/>
+        </p:spPr>
+        <p:txBody>
+          <a:bodyPr wrap="none" rtlCol="0">
+            <a:spAutoFit/>
+          </a:bodyPr>
+          <a:lstStyle/>
+          <a:p>
+            <a:r>
+              <a:rPr lang="fr-CH" dirty="0" smtClean="0"/>
+              <a:t>Joan Maillard</a:t>
+            </a:r>
+          </a:p>
+        </p:txBody>
+      </p:sp>
     </p:spTree>
     <p:extLst>
       <p:ext uri="{BB962C8B-B14F-4D97-AF65-F5344CB8AC3E}">
@@ -7390,6 +7557,45 @@
               <a:rPr lang="fr-CH" smtClean="0"/>
               <a:t>6</a:t>
             </a:fld>
+            <a:endParaRPr lang="fr-CH"/>
+          </a:p>
+        </p:txBody>
+      </p:sp>
+      <p:sp>
+        <p:nvSpPr>
+          <p:cNvPr id="6" name="AutoShape 2" descr="Adel_kahrimanovic"/>
+          <p:cNvSpPr>
+            <a:spLocks noChangeAspect="1" noChangeArrowheads="1"/>
+          </p:cNvSpPr>
+          <p:nvPr/>
+        </p:nvSpPr>
+        <p:spPr bwMode="auto">
+          <a:xfrm>
+            <a:off x="155575" y="-144463"/>
+            <a:ext cx="304800" cy="304801"/>
+          </a:xfrm>
+          <a:prstGeom prst="rect">
+            <a:avLst/>
+          </a:prstGeom>
+          <a:noFill/>
+          <a:extLst>
+            <a:ext uri="{909E8E84-426E-40DD-AFC4-6F175D3DCCD1}">
+              <a14:hiddenFill xmlns:a14="http://schemas.microsoft.com/office/drawing/2010/main">
+                <a:solidFill>
+                  <a:srgbClr val="FFFFFF"/>
+                </a:solidFill>
+              </a14:hiddenFill>
+            </a:ext>
+          </a:extLst>
+        </p:spPr>
+        <p:txBody>
+          <a:bodyPr vert="horz" wrap="square" lIns="91440" tIns="45720" rIns="91440" bIns="45720" numCol="1" anchor="t" anchorCtr="0" compatLnSpc="1">
+            <a:prstTxWarp prst="textNoShape">
+              <a:avLst/>
+            </a:prstTxWarp>
+          </a:bodyPr>
+          <a:lstStyle/>
+          <a:p>
             <a:endParaRPr lang="fr-CH"/>
           </a:p>
         </p:txBody>

--- a/Presentation_manette_2019.pptx
+++ b/Presentation_manette_2019.pptx
@@ -7169,6 +7169,36 @@
           </a:p>
         </p:txBody>
       </p:sp>
+      <p:pic>
+        <p:nvPicPr>
+          <p:cNvPr id="6" name="Image 5"/>
+          <p:cNvPicPr>
+            <a:picLocks noChangeAspect="1"/>
+          </p:cNvPicPr>
+          <p:nvPr/>
+        </p:nvPicPr>
+        <p:blipFill>
+          <a:blip r:embed="rId2" cstate="print">
+            <a:extLst>
+              <a:ext uri="{28A0092B-C50C-407E-A947-70E740481C1C}">
+                <a14:useLocalDpi xmlns:a14="http://schemas.microsoft.com/office/drawing/2010/main" val="0"/>
+              </a:ext>
+            </a:extLst>
+          </a:blip>
+          <a:stretch>
+            <a:fillRect/>
+          </a:stretch>
+        </p:blipFill>
+        <p:spPr>
+          <a:xfrm>
+            <a:off x="7330372" y="4133190"/>
+            <a:ext cx="2622520" cy="2039009"/>
+          </a:xfrm>
+          <a:prstGeom prst="rect">
+            <a:avLst/>
+          </a:prstGeom>
+        </p:spPr>
+      </p:pic>
     </p:spTree>
     <p:extLst>
       <p:ext uri="{BB962C8B-B14F-4D97-AF65-F5344CB8AC3E}">
